--- a/4.1.The Software Development Life Cycle.pptx
+++ b/4.1.The Software Development Life Cycle.pptx
@@ -113,6 +113,11 @@
       </a:defRPr>
     </a:lvl9pPr>
   </p:defaultTextStyle>
+  <p:extLst>
+    <p:ext uri="{EFAFB233-063F-42B5-8137-9DF3F51BA10A}">
+      <p15:sldGuideLst xmlns:p15="http://schemas.microsoft.com/office/powerpoint/2012/main"/>
+    </p:ext>
+  </p:extLst>
 </p:presentation>
 </file>
 
@@ -862,7 +867,7 @@
             <a:fld id="{B61BEF0D-F0BB-DE4B-95CE-6DB70DBA9567}" type="datetimeFigureOut">
               <a:rPr lang="en-US" dirty="0"/>
               <a:pPr/>
-              <a:t>7/23/2019</a:t>
+              <a:t>1/9/2020</a:t>
             </a:fld>
             <a:endParaRPr lang="en-US" dirty="0"/>
           </a:p>
@@ -1110,7 +1115,7 @@
             <a:fld id="{B61BEF0D-F0BB-DE4B-95CE-6DB70DBA9567}" type="datetimeFigureOut">
               <a:rPr lang="en-US" dirty="0"/>
               <a:pPr/>
-              <a:t>7/23/2019</a:t>
+              <a:t>1/9/2020</a:t>
             </a:fld>
             <a:endParaRPr lang="en-US" dirty="0"/>
           </a:p>
@@ -1421,7 +1426,7 @@
             <a:fld id="{B61BEF0D-F0BB-DE4B-95CE-6DB70DBA9567}" type="datetimeFigureOut">
               <a:rPr lang="en-US" dirty="0"/>
               <a:pPr/>
-              <a:t>7/23/2019</a:t>
+              <a:t>1/9/2020</a:t>
             </a:fld>
             <a:endParaRPr lang="en-US" dirty="0"/>
           </a:p>
@@ -1751,7 +1756,7 @@
             <a:fld id="{B61BEF0D-F0BB-DE4B-95CE-6DB70DBA9567}" type="datetimeFigureOut">
               <a:rPr lang="en-US" dirty="0"/>
               <a:pPr/>
-              <a:t>7/23/2019</a:t>
+              <a:t>1/9/2020</a:t>
             </a:fld>
             <a:endParaRPr lang="en-US" dirty="0"/>
           </a:p>
@@ -2062,7 +2067,7 @@
             <a:fld id="{B61BEF0D-F0BB-DE4B-95CE-6DB70DBA9567}" type="datetimeFigureOut">
               <a:rPr lang="en-US" dirty="0"/>
               <a:pPr/>
-              <a:t>7/23/2019</a:t>
+              <a:t>1/9/2020</a:t>
             </a:fld>
             <a:endParaRPr lang="en-US" dirty="0"/>
           </a:p>
@@ -2452,7 +2457,7 @@
             <a:fld id="{B61BEF0D-F0BB-DE4B-95CE-6DB70DBA9567}" type="datetimeFigureOut">
               <a:rPr lang="en-US" dirty="0"/>
               <a:pPr/>
-              <a:t>7/23/2019</a:t>
+              <a:t>1/9/2020</a:t>
             </a:fld>
             <a:endParaRPr lang="en-US" dirty="0"/>
           </a:p>
@@ -2618,7 +2623,7 @@
           <a:p>
             <a:fld id="{55C6B4A9-1611-4792-9094-5F34BCA07E0B}" type="datetimeFigureOut">
               <a:rPr lang="en-US" dirty="0"/>
-              <a:t>7/23/2019</a:t>
+              <a:t>1/9/2020</a:t>
             </a:fld>
             <a:endParaRPr lang="en-US" dirty="0"/>
           </a:p>
@@ -2794,7 +2799,7 @@
             <a:fld id="{B61BEF0D-F0BB-DE4B-95CE-6DB70DBA9567}" type="datetimeFigureOut">
               <a:rPr lang="en-US" dirty="0"/>
               <a:pPr/>
-              <a:t>7/23/2019</a:t>
+              <a:t>1/9/2020</a:t>
             </a:fld>
             <a:endParaRPr lang="en-US" dirty="0"/>
           </a:p>
@@ -2960,7 +2965,7 @@
           <a:p>
             <a:fld id="{42A54C80-263E-416B-A8E0-580EDEADCBDC}" type="datetimeFigureOut">
               <a:rPr lang="en-US" dirty="0"/>
-              <a:t>7/23/2019</a:t>
+              <a:t>1/9/2020</a:t>
             </a:fld>
             <a:endParaRPr lang="en-US" dirty="0"/>
           </a:p>
@@ -3203,7 +3208,7 @@
             <a:fld id="{B61BEF0D-F0BB-DE4B-95CE-6DB70DBA9567}" type="datetimeFigureOut">
               <a:rPr lang="en-US" dirty="0"/>
               <a:pPr/>
-              <a:t>7/23/2019</a:t>
+              <a:t>1/9/2020</a:t>
             </a:fld>
             <a:endParaRPr lang="en-US" dirty="0"/>
           </a:p>
@@ -3431,7 +3436,7 @@
           <a:p>
             <a:fld id="{42A54C80-263E-416B-A8E0-580EDEADCBDC}" type="datetimeFigureOut">
               <a:rPr lang="en-US" dirty="0"/>
-              <a:t>7/23/2019</a:t>
+              <a:t>1/9/2020</a:t>
             </a:fld>
             <a:endParaRPr lang="en-US" dirty="0"/>
           </a:p>
@@ -3801,7 +3806,7 @@
             <a:fld id="{B61BEF0D-F0BB-DE4B-95CE-6DB70DBA9567}" type="datetimeFigureOut">
               <a:rPr lang="en-US" dirty="0"/>
               <a:pPr/>
-              <a:t>7/23/2019</a:t>
+              <a:t>1/9/2020</a:t>
             </a:fld>
             <a:endParaRPr lang="en-US" dirty="0"/>
           </a:p>
@@ -3921,7 +3926,7 @@
             <a:fld id="{B61BEF0D-F0BB-DE4B-95CE-6DB70DBA9567}" type="datetimeFigureOut">
               <a:rPr lang="en-US" dirty="0"/>
               <a:pPr/>
-              <a:t>7/23/2019</a:t>
+              <a:t>1/9/2020</a:t>
             </a:fld>
             <a:endParaRPr lang="en-US" dirty="0"/>
           </a:p>
@@ -4013,7 +4018,7 @@
             <a:fld id="{B61BEF0D-F0BB-DE4B-95CE-6DB70DBA9567}" type="datetimeFigureOut">
               <a:rPr lang="en-US" dirty="0"/>
               <a:pPr/>
-              <a:t>7/23/2019</a:t>
+              <a:t>1/9/2020</a:t>
             </a:fld>
             <a:endParaRPr lang="en-US" dirty="0"/>
           </a:p>
@@ -4264,7 +4269,7 @@
           <a:p>
             <a:fld id="{42A54C80-263E-416B-A8E0-580EDEADCBDC}" type="datetimeFigureOut">
               <a:rPr lang="en-US" dirty="0"/>
-              <a:t>7/23/2019</a:t>
+              <a:t>1/9/2020</a:t>
             </a:fld>
             <a:endParaRPr lang="en-US" dirty="0"/>
           </a:p>
@@ -4566,7 +4571,7 @@
             <a:fld id="{B61BEF0D-F0BB-DE4B-95CE-6DB70DBA9567}" type="datetimeFigureOut">
               <a:rPr lang="en-US" dirty="0"/>
               <a:pPr/>
-              <a:t>7/23/2019</a:t>
+              <a:t>1/9/2020</a:t>
             </a:fld>
             <a:endParaRPr lang="en-US" dirty="0"/>
           </a:p>
@@ -5264,7 +5269,7 @@
             <a:fld id="{B61BEF0D-F0BB-DE4B-95CE-6DB70DBA9567}" type="datetimeFigureOut">
               <a:rPr lang="en-US" dirty="0"/>
               <a:pPr/>
-              <a:t>7/23/2019</a:t>
+              <a:t>1/9/2020</a:t>
             </a:fld>
             <a:endParaRPr lang="en-US" dirty="0"/>
           </a:p>
@@ -7615,8 +7620,13 @@
             <a:pPr lvl="1"/>
             <a:r>
               <a:rPr lang="en-US" dirty="0"/>
-              <a:t>Doesn’t crash on invalid import.</a:t>
-            </a:r>
+              <a:t>Doesn’t crash on </a:t>
+            </a:r>
+            <a:r>
+              <a:rPr lang="en-US"/>
+              <a:t>invalid input.</a:t>
+            </a:r>
+            <a:endParaRPr lang="en-US" dirty="0"/>
           </a:p>
           <a:p>
             <a:pPr lvl="1"/>
